--- a/Documents/Slides/Identity-OpenIdConnect.pptx
+++ b/Documents/Slides/Identity-OpenIdConnect.pptx
@@ -1020,6 +1020,13 @@
         </dgm:presLayoutVars>
       </dgm:prSet>
       <dgm:spPr/>
+      <dgm:t>
+        <a:bodyPr/>
+        <a:lstStyle/>
+        <a:p>
+          <a:endParaRPr lang="en-US"/>
+        </a:p>
+      </dgm:t>
     </dgm:pt>
     <dgm:pt modelId="{36399226-7C2F-4433-A9B6-5B59135FA847}" type="pres">
       <dgm:prSet presAssocID="{693C6D75-FE74-413D-954B-5439FE8B26AE}" presName="outerBox" presStyleCnt="0"/>
@@ -1028,6 +1035,13 @@
     <dgm:pt modelId="{961FEE2B-0D33-4761-81A7-DD71ACB67948}" type="pres">
       <dgm:prSet presAssocID="{693C6D75-FE74-413D-954B-5439FE8B26AE}" presName="outerBoxParent" presStyleLbl="node1" presStyleIdx="0" presStyleCnt="1" custLinFactNeighborX="6618" custLinFactNeighborY="3674"/>
       <dgm:spPr/>
+      <dgm:t>
+        <a:bodyPr/>
+        <a:lstStyle/>
+        <a:p>
+          <a:endParaRPr lang="en-US"/>
+        </a:p>
+      </dgm:t>
     </dgm:pt>
     <dgm:pt modelId="{762429E1-109D-4672-B4D5-463A08EED6FF}" type="pres">
       <dgm:prSet presAssocID="{693C6D75-FE74-413D-954B-5439FE8B26AE}" presName="outerBoxChildren" presStyleCnt="0"/>
@@ -3242,7 +3256,7 @@
           <a:p>
             <a:fld id="{B5922E6D-3451-482A-A64F-C89F139BA51A}" type="datetimeFigureOut">
               <a:rPr lang="en-US" smtClean="0"/>
-              <a:t>11/26/2014</a:t>
+              <a:t>12/1/2014</a:t>
             </a:fld>
             <a:endParaRPr lang="en-US"/>
           </a:p>
@@ -3407,7 +3421,7 @@
           <a:p>
             <a:fld id="{05247E74-41DE-40FA-A7A7-A655366ADCFA}" type="datetimeFigureOut">
               <a:rPr lang="sv-SE" smtClean="0"/>
-              <a:t>2014-11-26</a:t>
+              <a:t>2014-12-01</a:t>
             </a:fld>
             <a:endParaRPr lang="sv-SE"/>
           </a:p>
@@ -3871,7 +3885,7 @@
           <a:p>
             <a:fld id="{DB41BBF1-8D56-4061-8DE2-461FDAC177EF}" type="datetimeFigureOut">
               <a:rPr lang="sv-SE" smtClean="0"/>
-              <a:t>2014-11-26</a:t>
+              <a:t>2014-12-01</a:t>
             </a:fld>
             <a:endParaRPr lang="sv-SE"/>
           </a:p>
@@ -4135,7 +4149,7 @@
           <a:p>
             <a:fld id="{DB41BBF1-8D56-4061-8DE2-461FDAC177EF}" type="datetimeFigureOut">
               <a:rPr lang="sv-SE" smtClean="0"/>
-              <a:t>2014-11-26</a:t>
+              <a:t>2014-12-01</a:t>
             </a:fld>
             <a:endParaRPr lang="sv-SE"/>
           </a:p>
@@ -4312,7 +4326,7 @@
           <a:p>
             <a:fld id="{DB41BBF1-8D56-4061-8DE2-461FDAC177EF}" type="datetimeFigureOut">
               <a:rPr lang="sv-SE" smtClean="0"/>
-              <a:t>2014-11-26</a:t>
+              <a:t>2014-12-01</a:t>
             </a:fld>
             <a:endParaRPr lang="sv-SE"/>
           </a:p>
@@ -4499,7 +4513,7 @@
           <a:p>
             <a:fld id="{DB41BBF1-8D56-4061-8DE2-461FDAC177EF}" type="datetimeFigureOut">
               <a:rPr lang="sv-SE" smtClean="0"/>
-              <a:t>2014-11-26</a:t>
+              <a:t>2014-12-01</a:t>
             </a:fld>
             <a:endParaRPr lang="sv-SE"/>
           </a:p>
@@ -4763,7 +4777,7 @@
           <a:p>
             <a:fld id="{DB41BBF1-8D56-4061-8DE2-461FDAC177EF}" type="datetimeFigureOut">
               <a:rPr lang="sv-SE" smtClean="0"/>
-              <a:t>2014-11-26</a:t>
+              <a:t>2014-12-01</a:t>
             </a:fld>
             <a:endParaRPr lang="sv-SE"/>
           </a:p>
@@ -4940,7 +4954,7 @@
           <a:p>
             <a:fld id="{DB41BBF1-8D56-4061-8DE2-461FDAC177EF}" type="datetimeFigureOut">
               <a:rPr lang="sv-SE" smtClean="0"/>
-              <a:t>2014-11-26</a:t>
+              <a:t>2014-12-01</a:t>
             </a:fld>
             <a:endParaRPr lang="sv-SE"/>
           </a:p>
@@ -5193,7 +5207,7 @@
           <a:p>
             <a:fld id="{DB41BBF1-8D56-4061-8DE2-461FDAC177EF}" type="datetimeFigureOut">
               <a:rPr lang="sv-SE" smtClean="0"/>
-              <a:t>2014-11-26</a:t>
+              <a:t>2014-12-01</a:t>
             </a:fld>
             <a:endParaRPr lang="sv-SE"/>
           </a:p>
@@ -5488,7 +5502,7 @@
           <a:p>
             <a:fld id="{DB41BBF1-8D56-4061-8DE2-461FDAC177EF}" type="datetimeFigureOut">
               <a:rPr lang="sv-SE" smtClean="0"/>
-              <a:t>2014-11-26</a:t>
+              <a:t>2014-12-01</a:t>
             </a:fld>
             <a:endParaRPr lang="sv-SE"/>
           </a:p>
@@ -5917,7 +5931,7 @@
           <a:p>
             <a:fld id="{DB41BBF1-8D56-4061-8DE2-461FDAC177EF}" type="datetimeFigureOut">
               <a:rPr lang="sv-SE" smtClean="0"/>
-              <a:t>2014-11-26</a:t>
+              <a:t>2014-12-01</a:t>
             </a:fld>
             <a:endParaRPr lang="sv-SE"/>
           </a:p>
@@ -6042,7 +6056,7 @@
           <a:p>
             <a:fld id="{DB41BBF1-8D56-4061-8DE2-461FDAC177EF}" type="datetimeFigureOut">
               <a:rPr lang="sv-SE" smtClean="0"/>
-              <a:t>2014-11-26</a:t>
+              <a:t>2014-12-01</a:t>
             </a:fld>
             <a:endParaRPr lang="sv-SE"/>
           </a:p>
@@ -6144,7 +6158,7 @@
           <a:p>
             <a:fld id="{DB41BBF1-8D56-4061-8DE2-461FDAC177EF}" type="datetimeFigureOut">
               <a:rPr lang="sv-SE" smtClean="0"/>
-              <a:t>2014-11-26</a:t>
+              <a:t>2014-12-01</a:t>
             </a:fld>
             <a:endParaRPr lang="sv-SE"/>
           </a:p>
@@ -6428,7 +6442,7 @@
           <a:p>
             <a:fld id="{DB41BBF1-8D56-4061-8DE2-461FDAC177EF}" type="datetimeFigureOut">
               <a:rPr lang="sv-SE" smtClean="0"/>
-              <a:t>2014-11-26</a:t>
+              <a:t>2014-12-01</a:t>
             </a:fld>
             <a:endParaRPr lang="sv-SE"/>
           </a:p>
@@ -6656,7 +6670,7 @@
           <a:p>
             <a:fld id="{DB41BBF1-8D56-4061-8DE2-461FDAC177EF}" type="datetimeFigureOut">
               <a:rPr lang="sv-SE" smtClean="0"/>
-              <a:t>2014-11-26</a:t>
+              <a:t>2014-12-01</a:t>
             </a:fld>
             <a:endParaRPr lang="sv-SE"/>
           </a:p>
@@ -7294,7 +7308,6 @@
               <a:rPr lang="en-US" dirty="0" smtClean="0"/>
               <a:t> Connect?</a:t>
             </a:r>
-            <a:endParaRPr lang="en-US" dirty="0" smtClean="0"/>
           </a:p>
           <a:p>
             <a:pPr marL="0" indent="0">
@@ -7311,11 +7324,7 @@
           <a:p>
             <a:r>
               <a:rPr lang="en-US" sz="2400" dirty="0" smtClean="0"/>
-              <a:t>OAuth</a:t>
-            </a:r>
-            <a:r>
-              <a:rPr lang="en-US" sz="2400" dirty="0" smtClean="0"/>
-              <a:t> 2.0 + Identity layer</a:t>
+              <a:t>OAuth 2.0 + Identity layer</a:t>
             </a:r>
           </a:p>
           <a:p>
@@ -7532,7 +7541,7 @@
 </file>
 
 <file path=ppt/slides/slide4.xml><?xml version="1.0" encoding="utf-8"?>
-<p:sld xmlns:a="http://schemas.openxmlformats.org/drawingml/2006/main" xmlns:r="http://schemas.openxmlformats.org/officeDocument/2006/relationships" xmlns:p="http://schemas.openxmlformats.org/presentationml/2006/main">
+<p:sld xmlns:a="http://schemas.openxmlformats.org/drawingml/2006/main" xmlns:r="http://schemas.openxmlformats.org/officeDocument/2006/relationships" xmlns:p="http://schemas.openxmlformats.org/presentationml/2006/main" show="0">
   <p:cSld>
     <p:spTree>
       <p:nvGrpSpPr>
@@ -7623,6 +7632,14 @@
   <p:clrMapOvr>
     <a:masterClrMapping/>
   </p:clrMapOvr>
+  <mc:AlternateContent xmlns:mc="http://schemas.openxmlformats.org/markup-compatibility/2006">
+    <mc:Choice xmlns:p14="http://schemas.microsoft.com/office/powerpoint/2010/main" Requires="p14">
+      <p:transition spd="slow" p14:dur="2000"/>
+    </mc:Choice>
+    <mc:Fallback>
+      <p:transition spd="slow"/>
+    </mc:Fallback>
+  </mc:AlternateContent>
   <p:timing>
     <p:tnLst>
       <p:par>
